--- a/training-cards/agile moves/Workshops (WOR)/ger/apprentice/ger_WOR_11_Was_braucht_mein_Remote_Team_AM_A.pptx
+++ b/training-cards/agile moves/Workshops (WOR)/ger/apprentice/ger_WOR_11_Was_braucht_mein_Remote_Team_AM_A.pptx
@@ -1079,7 +1079,7 @@
         </p:blipFill>
         <p:spPr>
           <a:xfrm>
-            <a:off x="6191993" y="1005975"/>
+            <a:off x="6191993" y="641350"/>
             <a:ext cx="939800" cy="914400"/>
           </a:xfrm>
           <a:prstGeom prst="rect">
@@ -1730,7 +1730,7 @@
         </p:blipFill>
         <p:spPr>
           <a:xfrm>
-            <a:off x="6203797" y="3793473"/>
+            <a:off x="6198166" y="659636"/>
             <a:ext cx="905258" cy="896114"/>
           </a:xfrm>
           <a:prstGeom prst="rect">
@@ -2586,7 +2586,7 @@
         </p:blipFill>
         <p:spPr>
           <a:xfrm>
-            <a:off x="6207529" y="3737085"/>
+            <a:off x="6167179" y="603250"/>
             <a:ext cx="927100" cy="952500"/>
           </a:xfrm>
           <a:prstGeom prst="rect">
